--- a/fordcs-docs/EDUp FORDCS-V1.0 Project-v2022.04/2.0-System Requirements/EDUp FORDCS-V1.0 System Requirements.v2022.04.pptx
+++ b/fordcs-docs/EDUp FORDCS-V1.0 Project-v2022.04/2.0-System Requirements/EDUp FORDCS-V1.0 System Requirements.v2022.04.pptx
@@ -213,7 +213,7 @@
           <a:p>
             <a:fld id="{B4D12570-A0B9-4CB7-BEF8-8FCF4E9147E8}" type="datetimeFigureOut">
               <a:rPr lang="en-US" smtClean="0"/>
-              <a:t>5/4/2022</a:t>
+              <a:t>6/24/2022</a:t>
             </a:fld>
             <a:endParaRPr lang="en-US"/>
           </a:p>
@@ -868,7 +868,7 @@
           <a:p>
             <a:fld id="{44545C9C-B697-4804-AB64-643E534EC228}" type="datetimeFigureOut">
               <a:rPr lang="en-US" smtClean="0"/>
-              <a:t>5/4/2022</a:t>
+              <a:t>6/24/2022</a:t>
             </a:fld>
             <a:endParaRPr lang="en-US"/>
           </a:p>
@@ -1066,7 +1066,7 @@
           <a:p>
             <a:fld id="{44545C9C-B697-4804-AB64-643E534EC228}" type="datetimeFigureOut">
               <a:rPr lang="en-US" smtClean="0"/>
-              <a:t>5/4/2022</a:t>
+              <a:t>6/24/2022</a:t>
             </a:fld>
             <a:endParaRPr lang="en-US"/>
           </a:p>
@@ -1274,7 +1274,7 @@
           <a:p>
             <a:fld id="{44545C9C-B697-4804-AB64-643E534EC228}" type="datetimeFigureOut">
               <a:rPr lang="en-US" smtClean="0"/>
-              <a:t>5/4/2022</a:t>
+              <a:t>6/24/2022</a:t>
             </a:fld>
             <a:endParaRPr lang="en-US"/>
           </a:p>
@@ -1472,7 +1472,7 @@
           <a:p>
             <a:fld id="{44545C9C-B697-4804-AB64-643E534EC228}" type="datetimeFigureOut">
               <a:rPr lang="en-US" smtClean="0"/>
-              <a:t>5/4/2022</a:t>
+              <a:t>6/24/2022</a:t>
             </a:fld>
             <a:endParaRPr lang="en-US"/>
           </a:p>
@@ -1747,7 +1747,7 @@
           <a:p>
             <a:fld id="{44545C9C-B697-4804-AB64-643E534EC228}" type="datetimeFigureOut">
               <a:rPr lang="en-US" smtClean="0"/>
-              <a:t>5/4/2022</a:t>
+              <a:t>6/24/2022</a:t>
             </a:fld>
             <a:endParaRPr lang="en-US"/>
           </a:p>
@@ -2012,7 +2012,7 @@
           <a:p>
             <a:fld id="{44545C9C-B697-4804-AB64-643E534EC228}" type="datetimeFigureOut">
               <a:rPr lang="en-US" smtClean="0"/>
-              <a:t>5/4/2022</a:t>
+              <a:t>6/24/2022</a:t>
             </a:fld>
             <a:endParaRPr lang="en-US"/>
           </a:p>
@@ -2424,7 +2424,7 @@
           <a:p>
             <a:fld id="{44545C9C-B697-4804-AB64-643E534EC228}" type="datetimeFigureOut">
               <a:rPr lang="en-US" smtClean="0"/>
-              <a:t>5/4/2022</a:t>
+              <a:t>6/24/2022</a:t>
             </a:fld>
             <a:endParaRPr lang="en-US"/>
           </a:p>
@@ -2565,7 +2565,7 @@
           <a:p>
             <a:fld id="{44545C9C-B697-4804-AB64-643E534EC228}" type="datetimeFigureOut">
               <a:rPr lang="en-US" smtClean="0"/>
-              <a:t>5/4/2022</a:t>
+              <a:t>6/24/2022</a:t>
             </a:fld>
             <a:endParaRPr lang="en-US"/>
           </a:p>
@@ -2678,7 +2678,7 @@
           <a:p>
             <a:fld id="{44545C9C-B697-4804-AB64-643E534EC228}" type="datetimeFigureOut">
               <a:rPr lang="en-US" smtClean="0"/>
-              <a:t>5/4/2022</a:t>
+              <a:t>6/24/2022</a:t>
             </a:fld>
             <a:endParaRPr lang="en-US"/>
           </a:p>
@@ -2989,7 +2989,7 @@
           <a:p>
             <a:fld id="{44545C9C-B697-4804-AB64-643E534EC228}" type="datetimeFigureOut">
               <a:rPr lang="en-US" smtClean="0"/>
-              <a:t>5/4/2022</a:t>
+              <a:t>6/24/2022</a:t>
             </a:fld>
             <a:endParaRPr lang="en-US"/>
           </a:p>
@@ -3277,7 +3277,7 @@
           <a:p>
             <a:fld id="{44545C9C-B697-4804-AB64-643E534EC228}" type="datetimeFigureOut">
               <a:rPr lang="en-US" smtClean="0"/>
-              <a:t>5/4/2022</a:t>
+              <a:t>6/24/2022</a:t>
             </a:fld>
             <a:endParaRPr lang="en-US"/>
           </a:p>
@@ -3518,7 +3518,7 @@
           <a:p>
             <a:fld id="{44545C9C-B697-4804-AB64-643E534EC228}" type="datetimeFigureOut">
               <a:rPr lang="en-US" smtClean="0"/>
-              <a:t>5/4/2022</a:t>
+              <a:t>6/24/2022</a:t>
             </a:fld>
             <a:endParaRPr lang="en-US"/>
           </a:p>
@@ -6310,7 +6310,7 @@
             </a:br>
             <a:r>
               <a:rPr lang="en-US" dirty="0"/>
-              <a:t>Use Case Starting-up the CS V1.0 </a:t>
+              <a:t>Use Case Launch the CS V1.0  - Activities</a:t>
             </a:r>
           </a:p>
         </p:txBody>
@@ -6343,22 +6343,7 @@
           </a:bodyPr>
           <a:lstStyle/>
           <a:p>
-            <a:r>
-              <a:rPr lang="en-US" dirty="0"/>
-              <a:t>Following sub-Use Cases are </a:t>
-            </a:r>
-            <a:r>
-              <a:rPr lang="en-US" i="1" dirty="0">
-                <a:solidFill>
-                  <a:srgbClr val="C00000"/>
-                </a:solidFill>
-              </a:rPr>
-              <a:t>assumed</a:t>
-            </a:r>
-            <a:r>
-              <a:rPr lang="en-US" dirty="0"/>
-              <a:t>:</a:t>
-            </a:r>
+            <a:endParaRPr lang="en-US" dirty="0"/>
           </a:p>
           <a:p>
             <a:pPr lvl="1"/>
@@ -6772,7 +6757,7 @@
                   </a:schemeClr>
                 </a:solidFill>
               </a:rPr>
-              <a:t>Starting-up the CS V1.0 </a:t>
+              <a:t>Launch the CS V1.0 </a:t>
             </a:r>
           </a:p>
         </p:txBody>
@@ -7233,7 +7218,7 @@
             </a:br>
             <a:r>
               <a:rPr lang="en-US" dirty="0"/>
-              <a:t>Charge the Car [REF_SHC] V1.0 </a:t>
+              <a:t>Charge the Car [REF_SHC] V1.0 - Activities </a:t>
             </a:r>
           </a:p>
         </p:txBody>
@@ -8082,7 +8067,7 @@
             </a:br>
             <a:r>
               <a:rPr lang="en-US" dirty="0"/>
-              <a:t>Use Case Failure Handling V1.0 </a:t>
+              <a:t>Use Case Failure Handling V1.0 - Activities</a:t>
             </a:r>
           </a:p>
         </p:txBody>
@@ -8292,6 +8277,66 @@
           </a:p>
         </p:txBody>
       </p:sp>
+      <p:sp>
+        <p:nvSpPr>
+          <p:cNvPr id="6" name="Oval 5">
+            <a:extLst>
+              <a:ext uri="{FF2B5EF4-FFF2-40B4-BE49-F238E27FC236}">
+                <a16:creationId xmlns:a16="http://schemas.microsoft.com/office/drawing/2014/main" id="{C5447D37-D91F-4D1A-9333-7C6A737E0026}"/>
+              </a:ext>
+            </a:extLst>
+          </p:cNvPr>
+          <p:cNvSpPr/>
+          <p:nvPr/>
+        </p:nvSpPr>
+        <p:spPr>
+          <a:xfrm>
+            <a:off x="4863919" y="1970751"/>
+            <a:ext cx="2781155" cy="756493"/>
+          </a:xfrm>
+          <a:prstGeom prst="ellipse">
+            <a:avLst/>
+          </a:prstGeom>
+          <a:noFill/>
+          <a:ln w="19050">
+            <a:solidFill>
+              <a:schemeClr val="accent2">
+                <a:lumMod val="75000"/>
+              </a:schemeClr>
+            </a:solidFill>
+          </a:ln>
+        </p:spPr>
+        <p:style>
+          <a:lnRef idx="2">
+            <a:schemeClr val="accent1">
+              <a:shade val="50000"/>
+            </a:schemeClr>
+          </a:lnRef>
+          <a:fillRef idx="1">
+            <a:schemeClr val="accent1"/>
+          </a:fillRef>
+          <a:effectRef idx="0">
+            <a:schemeClr val="accent1"/>
+          </a:effectRef>
+          <a:fontRef idx="minor">
+            <a:schemeClr val="lt1"/>
+          </a:fontRef>
+        </p:style>
+        <p:txBody>
+          <a:bodyPr rtlCol="0" anchor="ctr"/>
+          <a:lstStyle/>
+          <a:p>
+            <a:pPr algn="ctr"/>
+            <a:endParaRPr lang="en-US" dirty="0">
+              <a:solidFill>
+                <a:schemeClr val="accent2">
+                  <a:lumMod val="75000"/>
+                </a:schemeClr>
+              </a:solidFill>
+            </a:endParaRPr>
+          </a:p>
+        </p:txBody>
+      </p:sp>
     </p:spTree>
     <p:extLst>
       <p:ext uri="{BB962C8B-B14F-4D97-AF65-F5344CB8AC3E}">
@@ -8375,7 +8420,7 @@
           <a:p>
             <a:r>
               <a:rPr lang="en-US" dirty="0"/>
-              <a:t>SREQ_1: All Use Cases should be described, UML modelled, implemented and tested. </a:t>
+              <a:t>SREQ_1: All Use Cases should be described (per Activities), UML modelled, implemented and tested. </a:t>
             </a:r>
           </a:p>
           <a:p>
@@ -8509,11 +8554,23 @@
             <p:ph type="title"/>
           </p:nvPr>
         </p:nvSpPr>
-        <p:spPr/>
+        <p:spPr>
+          <a:xfrm>
+            <a:off x="838200" y="112679"/>
+            <a:ext cx="10515600" cy="1578009"/>
+          </a:xfrm>
+        </p:spPr>
         <p:txBody>
           <a:bodyPr/>
           <a:lstStyle/>
           <a:p>
+            <a:r>
+              <a:rPr lang="en-US" dirty="0"/>
+              <a:t>System Use Case “Charge the Car”</a:t>
+            </a:r>
+            <a:br>
+              <a:rPr lang="en-US" dirty="0"/>
+            </a:br>
             <a:r>
               <a:rPr lang="en-US" dirty="0"/>
               <a:t>System Boundary, Interfaces, and Users</a:t>
@@ -8869,7 +8926,7 @@
         </p:blipFill>
         <p:spPr>
           <a:xfrm>
-            <a:off x="2830597" y="3410548"/>
+            <a:off x="2887416" y="3957149"/>
             <a:ext cx="2465036" cy="498877"/>
           </a:xfrm>
           <a:prstGeom prst="rect">
@@ -8899,7 +8956,7 @@
         </p:blipFill>
         <p:spPr>
           <a:xfrm>
-            <a:off x="2830596" y="4091179"/>
+            <a:off x="2858745" y="4694168"/>
             <a:ext cx="2513947" cy="518440"/>
           </a:xfrm>
           <a:prstGeom prst="rect">
@@ -8929,7 +8986,7 @@
         </p:blipFill>
         <p:spPr>
           <a:xfrm>
-            <a:off x="2883532" y="4613050"/>
+            <a:off x="2883532" y="5239537"/>
             <a:ext cx="2523729" cy="528223"/>
           </a:xfrm>
           <a:prstGeom prst="rect">
@@ -9035,8 +9092,8 @@
         </p:nvCxnSpPr>
         <p:spPr>
           <a:xfrm flipV="1">
-            <a:off x="5295633" y="3595712"/>
-            <a:ext cx="1247863" cy="64275"/>
+            <a:off x="5352452" y="3595712"/>
+            <a:ext cx="1191044" cy="610876"/>
           </a:xfrm>
           <a:prstGeom prst="bentConnector3">
             <a:avLst/>
@@ -9078,8 +9135,8 @@
         </p:nvCxnSpPr>
         <p:spPr>
           <a:xfrm flipV="1">
-            <a:off x="5344543" y="3595712"/>
-            <a:ext cx="1198953" cy="754687"/>
+            <a:off x="5372692" y="3595712"/>
+            <a:ext cx="1170804" cy="1357676"/>
           </a:xfrm>
           <a:prstGeom prst="bentConnector3">
             <a:avLst/>
@@ -9122,7 +9179,7 @@
         <p:spPr>
           <a:xfrm flipV="1">
             <a:off x="5407261" y="3595712"/>
-            <a:ext cx="1136235" cy="1281450"/>
+            <a:ext cx="1136235" cy="1907937"/>
           </a:xfrm>
           <a:prstGeom prst="bentConnector3">
             <a:avLst/>
@@ -9202,9 +9259,9 @@
           <p:nvPr/>
         </p:nvCxnSpPr>
         <p:spPr>
-          <a:xfrm flipV="1">
-            <a:off x="1752600" y="3659987"/>
-            <a:ext cx="1077997" cy="276367"/>
+          <a:xfrm>
+            <a:off x="1752600" y="3936354"/>
+            <a:ext cx="1134816" cy="270234"/>
           </a:xfrm>
           <a:prstGeom prst="bentConnector3">
             <a:avLst/>
@@ -9247,7 +9304,7 @@
         <p:spPr>
           <a:xfrm>
             <a:off x="1752600" y="3936354"/>
-            <a:ext cx="1077996" cy="414045"/>
+            <a:ext cx="1106145" cy="1017034"/>
           </a:xfrm>
           <a:prstGeom prst="bentConnector3">
             <a:avLst/>
@@ -9290,7 +9347,7 @@
         <p:spPr>
           <a:xfrm>
             <a:off x="1752600" y="3936354"/>
-            <a:ext cx="1130932" cy="940808"/>
+            <a:ext cx="1130932" cy="1567295"/>
           </a:xfrm>
           <a:prstGeom prst="bentConnector3">
             <a:avLst/>
@@ -9821,6 +9878,45 @@
                 </a:solidFill>
               </a:rPr>
               <a:t>Method Task: Define the system boundary!</a:t>
+            </a:r>
+          </a:p>
+        </p:txBody>
+      </p:sp>
+      <p:sp>
+        <p:nvSpPr>
+          <p:cNvPr id="3" name="TextBox 2">
+            <a:extLst>
+              <a:ext uri="{FF2B5EF4-FFF2-40B4-BE49-F238E27FC236}">
+                <a16:creationId xmlns:a16="http://schemas.microsoft.com/office/drawing/2014/main" id="{CCFF897B-F2AF-4293-9513-901B5895F960}"/>
+              </a:ext>
+            </a:extLst>
+          </p:cNvPr>
+          <p:cNvSpPr txBox="1"/>
+          <p:nvPr/>
+        </p:nvSpPr>
+        <p:spPr>
+          <a:xfrm rot="20033660">
+            <a:off x="2714658" y="3153469"/>
+            <a:ext cx="4104778" cy="461665"/>
+          </a:xfrm>
+          <a:prstGeom prst="rect">
+            <a:avLst/>
+          </a:prstGeom>
+          <a:noFill/>
+        </p:spPr>
+        <p:txBody>
+          <a:bodyPr wrap="none" rtlCol="0">
+            <a:spAutoFit/>
+          </a:bodyPr>
+          <a:lstStyle/>
+          <a:p>
+            <a:r>
+              <a:rPr lang="en-US" sz="2400" b="1" dirty="0">
+                <a:solidFill>
+                  <a:srgbClr val="FF0000"/>
+                </a:solidFill>
+              </a:rPr>
+              <a:t>Illustrate Use Case – Activities!</a:t>
             </a:r>
           </a:p>
         </p:txBody>
@@ -11681,6 +11777,208 @@
           </a:p>
         </p:txBody>
       </p:sp>
+      <p:sp>
+        <p:nvSpPr>
+          <p:cNvPr id="12" name="Rectangle: Rounded Corners 11">
+            <a:extLst>
+              <a:ext uri="{FF2B5EF4-FFF2-40B4-BE49-F238E27FC236}">
+                <a16:creationId xmlns:a16="http://schemas.microsoft.com/office/drawing/2014/main" id="{1794D830-6D82-4994-827F-95488E986BCF}"/>
+              </a:ext>
+            </a:extLst>
+          </p:cNvPr>
+          <p:cNvSpPr/>
+          <p:nvPr/>
+        </p:nvSpPr>
+        <p:spPr>
+          <a:xfrm>
+            <a:off x="9525" y="2244019"/>
+            <a:ext cx="4257675" cy="2204156"/>
+          </a:xfrm>
+          <a:prstGeom prst="roundRect">
+            <a:avLst/>
+          </a:prstGeom>
+          <a:noFill/>
+          <a:ln w="57150"/>
+        </p:spPr>
+        <p:style>
+          <a:lnRef idx="2">
+            <a:schemeClr val="accent1">
+              <a:shade val="50000"/>
+            </a:schemeClr>
+          </a:lnRef>
+          <a:fillRef idx="1">
+            <a:schemeClr val="accent1"/>
+          </a:fillRef>
+          <a:effectRef idx="0">
+            <a:schemeClr val="accent1"/>
+          </a:effectRef>
+          <a:fontRef idx="minor">
+            <a:schemeClr val="lt1"/>
+          </a:fontRef>
+        </p:style>
+        <p:txBody>
+          <a:bodyPr rtlCol="0" anchor="ctr"/>
+          <a:lstStyle/>
+          <a:p>
+            <a:pPr algn="ctr"/>
+            <a:endParaRPr lang="en-US">
+              <a:ln w="0"/>
+              <a:solidFill>
+                <a:schemeClr val="accent1"/>
+              </a:solidFill>
+              <a:effectLst>
+                <a:outerShdw blurRad="38100" dist="25400" dir="5400000" algn="ctr" rotWithShape="0">
+                  <a:srgbClr val="6E747A">
+                    <a:alpha val="43000"/>
+                  </a:srgbClr>
+                </a:outerShdw>
+              </a:effectLst>
+            </a:endParaRPr>
+          </a:p>
+        </p:txBody>
+      </p:sp>
+      <p:sp>
+        <p:nvSpPr>
+          <p:cNvPr id="13" name="TextBox 12">
+            <a:extLst>
+              <a:ext uri="{FF2B5EF4-FFF2-40B4-BE49-F238E27FC236}">
+                <a16:creationId xmlns:a16="http://schemas.microsoft.com/office/drawing/2014/main" id="{B3411994-B57D-4CF1-BCAE-6FE7227047FB}"/>
+              </a:ext>
+            </a:extLst>
+          </p:cNvPr>
+          <p:cNvSpPr txBox="1"/>
+          <p:nvPr/>
+        </p:nvSpPr>
+        <p:spPr>
+          <a:xfrm>
+            <a:off x="4306634" y="2244019"/>
+            <a:ext cx="2002471" cy="369332"/>
+          </a:xfrm>
+          <a:prstGeom prst="rect">
+            <a:avLst/>
+          </a:prstGeom>
+          <a:noFill/>
+        </p:spPr>
+        <p:txBody>
+          <a:bodyPr wrap="none" rtlCol="0">
+            <a:spAutoFit/>
+          </a:bodyPr>
+          <a:lstStyle/>
+          <a:p>
+            <a:r>
+              <a:rPr lang="en-US" b="1" dirty="0">
+                <a:solidFill>
+                  <a:schemeClr val="accent1">
+                    <a:lumMod val="75000"/>
+                  </a:schemeClr>
+                </a:solidFill>
+              </a:rPr>
+              <a:t>Launch the CS V1.0</a:t>
+            </a:r>
+          </a:p>
+        </p:txBody>
+      </p:sp>
+      <p:sp>
+        <p:nvSpPr>
+          <p:cNvPr id="14" name="TextBox 13">
+            <a:extLst>
+              <a:ext uri="{FF2B5EF4-FFF2-40B4-BE49-F238E27FC236}">
+                <a16:creationId xmlns:a16="http://schemas.microsoft.com/office/drawing/2014/main" id="{3C7C99B0-85A2-4308-BEC9-CBB51AF6EAC7}"/>
+              </a:ext>
+            </a:extLst>
+          </p:cNvPr>
+          <p:cNvSpPr txBox="1"/>
+          <p:nvPr/>
+        </p:nvSpPr>
+        <p:spPr>
+          <a:xfrm>
+            <a:off x="1049084" y="6067123"/>
+            <a:ext cx="2500172" cy="369332"/>
+          </a:xfrm>
+          <a:prstGeom prst="rect">
+            <a:avLst/>
+          </a:prstGeom>
+          <a:noFill/>
+        </p:spPr>
+        <p:txBody>
+          <a:bodyPr wrap="none" rtlCol="0">
+            <a:spAutoFit/>
+          </a:bodyPr>
+          <a:lstStyle/>
+          <a:p>
+            <a:r>
+              <a:rPr lang="en-US" b="1" dirty="0">
+                <a:solidFill>
+                  <a:schemeClr val="accent1">
+                    <a:lumMod val="75000"/>
+                  </a:schemeClr>
+                </a:solidFill>
+              </a:rPr>
+              <a:t>CS Failure Handling V1.0</a:t>
+            </a:r>
+          </a:p>
+        </p:txBody>
+      </p:sp>
+      <p:sp>
+        <p:nvSpPr>
+          <p:cNvPr id="15" name="Rectangle: Rounded Corners 14">
+            <a:extLst>
+              <a:ext uri="{FF2B5EF4-FFF2-40B4-BE49-F238E27FC236}">
+                <a16:creationId xmlns:a16="http://schemas.microsoft.com/office/drawing/2014/main" id="{790016F4-C240-4513-95A4-191D0405D53B}"/>
+              </a:ext>
+            </a:extLst>
+          </p:cNvPr>
+          <p:cNvSpPr/>
+          <p:nvPr/>
+        </p:nvSpPr>
+        <p:spPr>
+          <a:xfrm>
+            <a:off x="542924" y="4653843"/>
+            <a:ext cx="3219451" cy="1413279"/>
+          </a:xfrm>
+          <a:prstGeom prst="roundRect">
+            <a:avLst/>
+          </a:prstGeom>
+          <a:noFill/>
+          <a:ln w="57150"/>
+        </p:spPr>
+        <p:style>
+          <a:lnRef idx="2">
+            <a:schemeClr val="accent1">
+              <a:shade val="50000"/>
+            </a:schemeClr>
+          </a:lnRef>
+          <a:fillRef idx="1">
+            <a:schemeClr val="accent1"/>
+          </a:fillRef>
+          <a:effectRef idx="0">
+            <a:schemeClr val="accent1"/>
+          </a:effectRef>
+          <a:fontRef idx="minor">
+            <a:schemeClr val="lt1"/>
+          </a:fontRef>
+        </p:style>
+        <p:txBody>
+          <a:bodyPr rtlCol="0" anchor="ctr"/>
+          <a:lstStyle/>
+          <a:p>
+            <a:pPr algn="ctr"/>
+            <a:endParaRPr lang="en-US">
+              <a:ln w="0"/>
+              <a:solidFill>
+                <a:schemeClr val="accent1"/>
+              </a:solidFill>
+              <a:effectLst>
+                <a:outerShdw blurRad="38100" dist="25400" dir="5400000" algn="ctr" rotWithShape="0">
+                  <a:srgbClr val="6E747A">
+                    <a:alpha val="43000"/>
+                  </a:srgbClr>
+                </a:outerShdw>
+              </a:effectLst>
+            </a:endParaRPr>
+          </a:p>
+        </p:txBody>
+      </p:sp>
     </p:spTree>
     <p:extLst>
       <p:ext uri="{BB962C8B-B14F-4D97-AF65-F5344CB8AC3E}">
@@ -12244,7 +12542,12 @@
             <p:ph type="title"/>
           </p:nvPr>
         </p:nvSpPr>
-        <p:spPr/>
+        <p:spPr>
+          <a:xfrm>
+            <a:off x="838200" y="1"/>
+            <a:ext cx="10515600" cy="1046747"/>
+          </a:xfrm>
+        </p:spPr>
         <p:txBody>
           <a:bodyPr/>
           <a:lstStyle/>
@@ -12275,12 +12578,12 @@
         <p:spPr>
           <a:xfrm>
             <a:off x="581892" y="3428999"/>
-            <a:ext cx="10771908" cy="2747963"/>
+            <a:ext cx="11114808" cy="3248026"/>
           </a:xfrm>
         </p:spPr>
         <p:txBody>
           <a:bodyPr>
-            <a:normAutofit/>
+            <a:normAutofit lnSpcReduction="10000"/>
           </a:bodyPr>
           <a:lstStyle/>
           <a:p>
@@ -12313,25 +12616,15 @@
             </a:r>
             <a:r>
               <a:rPr lang="en-US" dirty="0"/>
-              <a:t> “service” may retrieve the Data from the FORDCS!</a:t>
+              <a:t> the user “service” may get/set the FMS state for FORDCS operations!</a:t>
             </a:r>
           </a:p>
           <a:p>
             <a:pPr lvl="1"/>
             <a:r>
               <a:rPr lang="en-US" dirty="0"/>
-              <a:t>Use Case should be implemented referring to the Swagger interface design: </a:t>
-            </a:r>
-            <a:br>
-              <a:rPr lang="en-US" dirty="0"/>
-            </a:br>
-            <a:r>
-              <a:rPr lang="en-US" dirty="0">
-                <a:hlinkClick r:id="rId2"/>
-              </a:rPr>
-              <a:t>https://app.swaggerhub.com/apis/karacankos/fordcs/1.0-oas3</a:t>
-            </a:r>
-            <a:endParaRPr lang="en-US" dirty="0"/>
+              <a:t>The System Use Cases are realized by the Charging Control Interfaces:</a:t>
+            </a:r>
           </a:p>
           <a:p>
             <a:pPr lvl="2"/>
@@ -12348,19 +12641,20 @@
               <a:rPr lang="en-US" dirty="0">
                 <a:sym typeface="Wingdings" panose="05000000000000000000" pitchFamily="2" charset="2"/>
               </a:rPr>
-              <a:t> https://api.example.com/v1/ </a:t>
-            </a:r>
-            <a:r>
-              <a:rPr lang="en-US" dirty="0" err="1">
+              <a:t> </a:t>
+            </a:r>
+            <a:r>
+              <a:rPr lang="en-US" dirty="0">
                 <a:sym typeface="Wingdings" panose="05000000000000000000" pitchFamily="2" charset="2"/>
+                <a:hlinkClick r:id="rId2"/>
               </a:rPr>
-              <a:t>monitorVehicleChargingState</a:t>
+              <a:t>https://api.example.com/v1/monitorVehicleChargingState/{user}</a:t>
             </a:r>
             <a:r>
               <a:rPr lang="en-US" dirty="0">
                 <a:sym typeface="Wingdings" panose="05000000000000000000" pitchFamily="2" charset="2"/>
               </a:rPr>
-              <a:t>/{user}</a:t>
+              <a:t> , where user=“service”</a:t>
             </a:r>
           </a:p>
           <a:p>
@@ -12378,20 +12672,40 @@
               <a:rPr lang="en-US" dirty="0">
                 <a:sym typeface="Wingdings" panose="05000000000000000000" pitchFamily="2" charset="2"/>
               </a:rPr>
-              <a:t> https://api.example.com/v1/ </a:t>
-            </a:r>
-            <a:r>
-              <a:rPr lang="en-US" dirty="0" err="1">
+              <a:t> </a:t>
+            </a:r>
+            <a:r>
+              <a:rPr lang="en-US" dirty="0">
                 <a:sym typeface="Wingdings" panose="05000000000000000000" pitchFamily="2" charset="2"/>
+                <a:hlinkClick r:id="rId3"/>
               </a:rPr>
-              <a:t>controlVehicleChargingState</a:t>
+              <a:t>https://api.example.com/v1/controlVehicleChargingState/{user}/{event}</a:t>
             </a:r>
             <a:r>
               <a:rPr lang="en-US" dirty="0">
                 <a:sym typeface="Wingdings" panose="05000000000000000000" pitchFamily="2" charset="2"/>
               </a:rPr>
-              <a:t>/{user}/{event}</a:t>
-            </a:r>
+              <a:t>, where user=“service” and “event” is the event name to change the FSM state!</a:t>
+            </a:r>
+          </a:p>
+          <a:p>
+            <a:pPr lvl="1"/>
+            <a:r>
+              <a:rPr lang="en-US" dirty="0"/>
+              <a:t>They should be implemented referring to the Swagger interface design: </a:t>
+            </a:r>
+            <a:br>
+              <a:rPr lang="en-US" dirty="0"/>
+            </a:br>
+            <a:r>
+              <a:rPr lang="en-US" dirty="0">
+                <a:hlinkClick r:id="rId4"/>
+              </a:rPr>
+              <a:t>https://app.swaggerhub.com/apis/karacankos/fordcs/1.0-oas3</a:t>
+            </a:r>
+            <a:endParaRPr lang="en-US" dirty="0">
+              <a:sym typeface="Wingdings" panose="05000000000000000000" pitchFamily="2" charset="2"/>
+            </a:endParaRPr>
           </a:p>
           <a:p>
             <a:endParaRPr lang="en-US" dirty="0"/>
@@ -12412,7 +12726,7 @@
         </p:nvSpPr>
         <p:spPr>
           <a:xfrm>
-            <a:off x="581892" y="1825624"/>
+            <a:off x="915267" y="1951236"/>
             <a:ext cx="3536574" cy="1046747"/>
           </a:xfrm>
           <a:prstGeom prst="ellipse">
@@ -12470,7 +12784,7 @@
                   </a:schemeClr>
                 </a:solidFill>
               </a:rPr>
-              <a:t>Starting-up the CS V1.0 </a:t>
+              <a:t>Launch the CS V1.0 </a:t>
             </a:r>
           </a:p>
         </p:txBody>
@@ -12489,7 +12803,7 @@
         </p:nvSpPr>
         <p:spPr>
           <a:xfrm>
-            <a:off x="5006691" y="1825624"/>
+            <a:off x="5006691" y="1951237"/>
             <a:ext cx="3536574" cy="1046747"/>
           </a:xfrm>
           <a:prstGeom prst="ellipse">
@@ -12603,6 +12917,214 @@
           </a:p>
         </p:txBody>
       </p:sp>
+      <p:cxnSp>
+        <p:nvCxnSpPr>
+          <p:cNvPr id="11" name="Connector: Elbow 10">
+            <a:extLst>
+              <a:ext uri="{FF2B5EF4-FFF2-40B4-BE49-F238E27FC236}">
+                <a16:creationId xmlns:a16="http://schemas.microsoft.com/office/drawing/2014/main" id="{62E05641-212E-4A0F-A33E-405C29EC33D6}"/>
+              </a:ext>
+            </a:extLst>
+          </p:cNvPr>
+          <p:cNvCxnSpPr>
+            <a:stCxn id="9" idx="3"/>
+            <a:endCxn id="5" idx="0"/>
+          </p:cNvCxnSpPr>
+          <p:nvPr/>
+        </p:nvCxnSpPr>
+        <p:spPr>
+          <a:xfrm>
+            <a:off x="6503445" y="1327765"/>
+            <a:ext cx="271533" cy="623472"/>
+          </a:xfrm>
+          <a:prstGeom prst="bentConnector2">
+            <a:avLst/>
+          </a:prstGeom>
+          <a:ln w="38100">
+            <a:solidFill>
+              <a:schemeClr val="bg2">
+                <a:lumMod val="75000"/>
+              </a:schemeClr>
+            </a:solidFill>
+            <a:tailEnd type="triangle"/>
+          </a:ln>
+        </p:spPr>
+        <p:style>
+          <a:lnRef idx="1">
+            <a:schemeClr val="accent1"/>
+          </a:lnRef>
+          <a:fillRef idx="0">
+            <a:schemeClr val="accent1"/>
+          </a:fillRef>
+          <a:effectRef idx="0">
+            <a:schemeClr val="accent1"/>
+          </a:effectRef>
+          <a:fontRef idx="minor">
+            <a:schemeClr val="tx1"/>
+          </a:fontRef>
+        </p:style>
+      </p:cxnSp>
+      <p:cxnSp>
+        <p:nvCxnSpPr>
+          <p:cNvPr id="12" name="Connector: Elbow 11">
+            <a:extLst>
+              <a:ext uri="{FF2B5EF4-FFF2-40B4-BE49-F238E27FC236}">
+                <a16:creationId xmlns:a16="http://schemas.microsoft.com/office/drawing/2014/main" id="{9770EA4D-96AB-40F2-8CFE-DF417CB611D4}"/>
+              </a:ext>
+            </a:extLst>
+          </p:cNvPr>
+          <p:cNvCxnSpPr>
+            <a:cxnSpLocks/>
+            <a:stCxn id="9" idx="1"/>
+            <a:endCxn id="4" idx="0"/>
+          </p:cNvCxnSpPr>
+          <p:nvPr/>
+        </p:nvCxnSpPr>
+        <p:spPr>
+          <a:xfrm rot="10800000" flipV="1">
+            <a:off x="2683554" y="1327764"/>
+            <a:ext cx="204650" cy="623471"/>
+          </a:xfrm>
+          <a:prstGeom prst="bentConnector2">
+            <a:avLst/>
+          </a:prstGeom>
+          <a:ln w="38100">
+            <a:solidFill>
+              <a:schemeClr val="bg2">
+                <a:lumMod val="75000"/>
+              </a:schemeClr>
+            </a:solidFill>
+            <a:tailEnd type="triangle"/>
+          </a:ln>
+        </p:spPr>
+        <p:style>
+          <a:lnRef idx="1">
+            <a:schemeClr val="accent1"/>
+          </a:lnRef>
+          <a:fillRef idx="0">
+            <a:schemeClr val="accent1"/>
+          </a:fillRef>
+          <a:effectRef idx="0">
+            <a:schemeClr val="accent1"/>
+          </a:effectRef>
+          <a:fontRef idx="minor">
+            <a:schemeClr val="tx1"/>
+          </a:fontRef>
+        </p:style>
+      </p:cxnSp>
+      <p:grpSp>
+        <p:nvGrpSpPr>
+          <p:cNvPr id="22" name="Group 21">
+            <a:extLst>
+              <a:ext uri="{FF2B5EF4-FFF2-40B4-BE49-F238E27FC236}">
+                <a16:creationId xmlns:a16="http://schemas.microsoft.com/office/drawing/2014/main" id="{8DCA3D9D-9E9D-400C-A6DD-3FC989E9DD6C}"/>
+              </a:ext>
+            </a:extLst>
+          </p:cNvPr>
+          <p:cNvGrpSpPr/>
+          <p:nvPr/>
+        </p:nvGrpSpPr>
+        <p:grpSpPr>
+          <a:xfrm>
+            <a:off x="2888204" y="763836"/>
+            <a:ext cx="3615241" cy="1127858"/>
+            <a:chOff x="2888204" y="763836"/>
+            <a:chExt cx="3615241" cy="1127858"/>
+          </a:xfrm>
+        </p:grpSpPr>
+        <p:pic>
+          <p:nvPicPr>
+            <p:cNvPr id="9" name="Picture 8">
+              <a:extLst>
+                <a:ext uri="{FF2B5EF4-FFF2-40B4-BE49-F238E27FC236}">
+                  <a16:creationId xmlns:a16="http://schemas.microsoft.com/office/drawing/2014/main" id="{52D4A848-F7AB-43B5-AFEB-E89339034C19}"/>
+                </a:ext>
+              </a:extLst>
+            </p:cNvPr>
+            <p:cNvPicPr>
+              <a:picLocks noChangeAspect="1"/>
+            </p:cNvPicPr>
+            <p:nvPr/>
+          </p:nvPicPr>
+          <p:blipFill>
+            <a:blip r:embed="rId5"/>
+            <a:stretch>
+              <a:fillRect/>
+            </a:stretch>
+          </p:blipFill>
+          <p:spPr>
+            <a:xfrm>
+              <a:off x="2888204" y="763836"/>
+              <a:ext cx="3615241" cy="1127858"/>
+            </a:xfrm>
+            <a:prstGeom prst="rect">
+              <a:avLst/>
+            </a:prstGeom>
+          </p:spPr>
+        </p:pic>
+        <p:sp>
+          <p:nvSpPr>
+            <p:cNvPr id="19" name="Oval 18">
+              <a:extLst>
+                <a:ext uri="{FF2B5EF4-FFF2-40B4-BE49-F238E27FC236}">
+                  <a16:creationId xmlns:a16="http://schemas.microsoft.com/office/drawing/2014/main" id="{76C05A40-0590-438D-9E4A-53F525EF098C}"/>
+                </a:ext>
+              </a:extLst>
+            </p:cNvPr>
+            <p:cNvSpPr/>
+            <p:nvPr/>
+          </p:nvSpPr>
+          <p:spPr>
+            <a:xfrm>
+              <a:off x="3248025" y="940110"/>
+              <a:ext cx="2847975" cy="274960"/>
+            </a:xfrm>
+            <a:prstGeom prst="ellipse">
+              <a:avLst/>
+            </a:prstGeom>
+            <a:solidFill>
+              <a:schemeClr val="bg1"/>
+            </a:solidFill>
+            <a:ln>
+              <a:noFill/>
+            </a:ln>
+          </p:spPr>
+          <p:style>
+            <a:lnRef idx="2">
+              <a:schemeClr val="accent1">
+                <a:shade val="50000"/>
+              </a:schemeClr>
+            </a:lnRef>
+            <a:fillRef idx="1">
+              <a:schemeClr val="accent1"/>
+            </a:fillRef>
+            <a:effectRef idx="0">
+              <a:schemeClr val="accent1"/>
+            </a:effectRef>
+            <a:fontRef idx="minor">
+              <a:schemeClr val="lt1"/>
+            </a:fontRef>
+          </p:style>
+          <p:txBody>
+            <a:bodyPr rtlCol="0" anchor="ctr"/>
+            <a:lstStyle/>
+            <a:p>
+              <a:pPr algn="ctr"/>
+              <a:r>
+                <a:rPr lang="en-US" sz="1600" dirty="0">
+                  <a:solidFill>
+                    <a:schemeClr val="tx1">
+                      <a:lumMod val="50000"/>
+                      <a:lumOff val="50000"/>
+                    </a:schemeClr>
+                  </a:solidFill>
+                </a:rPr>
+                <a:t>&lt;Customer Use Case&gt;</a:t>
+              </a:r>
+            </a:p>
+          </p:txBody>
+        </p:sp>
+      </p:grpSp>
     </p:spTree>
     <p:extLst>
       <p:ext uri="{BB962C8B-B14F-4D97-AF65-F5344CB8AC3E}">
